--- a/lesson13/fullstack.pptx
+++ b/lesson13/fullstack.pptx
@@ -7,6 +7,7 @@
   <p:sldIdLst>
     <p:sldId id="256" r:id="rId2"/>
     <p:sldId id="257" r:id="rId3"/>
+    <p:sldId id="258" r:id="rId4"/>
   </p:sldIdLst>
   <p:sldSz cx="9144000" cy="6858000" type="screen4x3"/>
   <p:notesSz cx="6858000" cy="9144000"/>
@@ -3107,6 +3108,13 @@
   <p:clrMapOvr>
     <a:masterClrMapping/>
   </p:clrMapOvr>
+  <p:timing>
+    <p:tnLst>
+      <p:par>
+        <p:cTn id="1" dur="indefinite" restart="never" nodeType="tmRoot"/>
+      </p:par>
+    </p:tnLst>
+  </p:timing>
 </p:sld>
 </file>
 
@@ -3276,6 +3284,137 @@
             <a:endParaRPr lang="en-US" altLang="zh-CN" dirty="0" smtClean="0"/>
           </a:p>
           <a:p>
+            <a:endParaRPr lang="zh-CN" altLang="en-US" dirty="0"/>
+          </a:p>
+        </p:txBody>
+      </p:sp>
+    </p:spTree>
+  </p:cSld>
+  <p:clrMapOvr>
+    <a:masterClrMapping/>
+  </p:clrMapOvr>
+  <p:timing>
+    <p:tnLst>
+      <p:par>
+        <p:cTn id="1" dur="indefinite" restart="never" nodeType="tmRoot"/>
+      </p:par>
+    </p:tnLst>
+  </p:timing>
+</p:sld>
+</file>
+
+<file path=ppt/slides/slide3.xml><?xml version="1.0" encoding="utf-8"?>
+<p:sld xmlns:a="http://schemas.openxmlformats.org/drawingml/2006/main" xmlns:r="http://schemas.openxmlformats.org/officeDocument/2006/relationships" xmlns:p="http://schemas.openxmlformats.org/presentationml/2006/main">
+  <p:cSld>
+    <p:spTree>
+      <p:nvGrpSpPr>
+        <p:cNvPr id="1" name=""/>
+        <p:cNvGrpSpPr/>
+        <p:nvPr/>
+      </p:nvGrpSpPr>
+      <p:grpSpPr>
+        <a:xfrm>
+          <a:off x="0" y="0"/>
+          <a:ext cx="0" cy="0"/>
+          <a:chOff x="0" y="0"/>
+          <a:chExt cx="0" cy="0"/>
+        </a:xfrm>
+      </p:grpSpPr>
+      <p:sp>
+        <p:nvSpPr>
+          <p:cNvPr id="2" name="标题 1"/>
+          <p:cNvSpPr>
+            <a:spLocks noGrp="1"/>
+          </p:cNvSpPr>
+          <p:nvPr>
+            <p:ph type="title"/>
+          </p:nvPr>
+        </p:nvSpPr>
+        <p:spPr/>
+        <p:txBody>
+          <a:bodyPr/>
+          <a:lstStyle/>
+          <a:p>
+            <a:endParaRPr lang="zh-CN" altLang="en-US"/>
+          </a:p>
+        </p:txBody>
+      </p:sp>
+      <p:sp>
+        <p:nvSpPr>
+          <p:cNvPr id="3" name="内容占位符 2"/>
+          <p:cNvSpPr>
+            <a:spLocks noGrp="1"/>
+          </p:cNvSpPr>
+          <p:nvPr>
+            <p:ph idx="1"/>
+          </p:nvPr>
+        </p:nvSpPr>
+        <p:spPr/>
+        <p:txBody>
+          <a:bodyPr/>
+          <a:lstStyle/>
+          <a:p>
+            <a:r>
+              <a:rPr lang="en-US" altLang="zh-CN" smtClean="0"/>
+              <a:t>Html</a:t>
+            </a:r>
+          </a:p>
+          <a:p>
+            <a:r>
+              <a:rPr lang="en-US" altLang="zh-CN" dirty="0" err="1" smtClean="0"/>
+              <a:t>Css</a:t>
+            </a:r>
+            <a:endParaRPr lang="en-US" altLang="zh-CN" dirty="0" smtClean="0"/>
+          </a:p>
+          <a:p>
+            <a:pPr lvl="1"/>
+            <a:r>
+              <a:rPr lang="en-US" altLang="zh-CN" dirty="0" smtClean="0">
+                <a:hlinkClick r:id="rId2"/>
+              </a:rPr>
+              <a:t>http://getbootstrap.com</a:t>
+            </a:r>
+            <a:r>
+              <a:rPr lang="en-US" altLang="zh-CN" dirty="0" smtClean="0">
+                <a:hlinkClick r:id="rId2"/>
+              </a:rPr>
+              <a:t>/</a:t>
+            </a:r>
+            <a:endParaRPr lang="en-US" altLang="zh-CN" dirty="0" smtClean="0"/>
+          </a:p>
+          <a:p>
+            <a:r>
+              <a:rPr lang="en-US" altLang="zh-CN" dirty="0" smtClean="0"/>
+              <a:t>JS</a:t>
+            </a:r>
+          </a:p>
+          <a:p>
+            <a:pPr lvl="1"/>
+            <a:r>
+              <a:rPr lang="en-US" altLang="zh-CN" dirty="0" smtClean="0">
+                <a:hlinkClick r:id="rId3"/>
+              </a:rPr>
+              <a:t>http://jquery.com</a:t>
+            </a:r>
+            <a:r>
+              <a:rPr lang="en-US" altLang="zh-CN" dirty="0" smtClean="0">
+                <a:hlinkClick r:id="rId3"/>
+              </a:rPr>
+              <a:t>/</a:t>
+            </a:r>
+            <a:endParaRPr lang="en-US" altLang="zh-CN" dirty="0" smtClean="0"/>
+          </a:p>
+          <a:p>
+            <a:r>
+              <a:rPr lang="en-US" altLang="zh-CN" dirty="0" smtClean="0"/>
+              <a:t>VI/VIM</a:t>
+            </a:r>
+          </a:p>
+          <a:p>
+            <a:r>
+              <a:rPr lang="en-US" altLang="zh-CN" dirty="0" err="1" smtClean="0"/>
+              <a:t>Emacs</a:t>
+            </a:r>
             <a:endParaRPr lang="zh-CN" altLang="en-US" dirty="0"/>
           </a:p>
         </p:txBody>
